--- a/PPT/개인 연구 Data_collect.pptx
+++ b/PPT/개인 연구 Data_collect.pptx
@@ -5,15 +5,17 @@
     <p:sldMasterId id="2147483648" r:id="rId1"/>
   </p:sldMasterIdLst>
   <p:notesMasterIdLst>
-    <p:notesMasterId r:id="rId5"/>
+    <p:notesMasterId r:id="rId7"/>
   </p:notesMasterIdLst>
   <p:handoutMasterIdLst>
-    <p:handoutMasterId r:id="rId6"/>
+    <p:handoutMasterId r:id="rId8"/>
   </p:handoutMasterIdLst>
   <p:sldIdLst>
     <p:sldId id="256" r:id="rId2"/>
     <p:sldId id="259" r:id="rId3"/>
     <p:sldId id="260" r:id="rId4"/>
+    <p:sldId id="261" r:id="rId5"/>
+    <p:sldId id="262" r:id="rId6"/>
   </p:sldIdLst>
   <p:sldSz cx="12192000" cy="6858000"/>
   <p:notesSz cx="9144000" cy="6858000"/>
@@ -228,7 +230,7 @@
           <a:p>
             <a:fld id="{D1DA2BEC-7E6F-47A9-9115-3EED439C6DA5}" type="datetimeFigureOut">
               <a:rPr lang="ko-KR" altLang="en-US" smtClean="0"/>
-              <a:t>2024-01-04</a:t>
+              <a:t>2024-01-11</a:t>
             </a:fld>
             <a:endParaRPr lang="ko-KR" altLang="en-US"/>
           </a:p>
@@ -406,7 +408,7 @@
           <a:p>
             <a:fld id="{BF98C93F-AAD7-4410-AA25-972027873478}" type="datetimeFigureOut">
               <a:rPr lang="ko-KR" altLang="en-US" smtClean="0"/>
-              <a:t>2024-01-04</a:t>
+              <a:t>2024-01-11</a:t>
             </a:fld>
             <a:endParaRPr lang="ko-KR" altLang="en-US"/>
           </a:p>
@@ -3137,6 +3139,358 @@
     <p:extLst>
       <p:ext uri="{BB962C8B-B14F-4D97-AF65-F5344CB8AC3E}">
         <p14:creationId xmlns:p14="http://schemas.microsoft.com/office/powerpoint/2010/main" val="281601413"/>
+      </p:ext>
+    </p:extLst>
+  </p:cSld>
+  <p:clrMapOvr>
+    <a:masterClrMapping/>
+  </p:clrMapOvr>
+</p:sld>
+</file>
+
+<file path=ppt/slides/slide4.xml><?xml version="1.0" encoding="utf-8"?>
+<p:sld xmlns:a="http://schemas.openxmlformats.org/drawingml/2006/main" xmlns:r="http://schemas.openxmlformats.org/officeDocument/2006/relationships" xmlns:p="http://schemas.openxmlformats.org/presentationml/2006/main">
+  <p:cSld>
+    <p:spTree>
+      <p:nvGrpSpPr>
+        <p:cNvPr id="1" name=""/>
+        <p:cNvGrpSpPr/>
+        <p:nvPr/>
+      </p:nvGrpSpPr>
+      <p:grpSpPr>
+        <a:xfrm>
+          <a:off x="0" y="0"/>
+          <a:ext cx="0" cy="0"/>
+          <a:chOff x="0" y="0"/>
+          <a:chExt cx="0" cy="0"/>
+        </a:xfrm>
+      </p:grpSpPr>
+      <p:sp>
+        <p:nvSpPr>
+          <p:cNvPr id="2" name="제목 1">
+            <a:extLst>
+              <a:ext uri="{FF2B5EF4-FFF2-40B4-BE49-F238E27FC236}">
+                <a16:creationId xmlns:a16="http://schemas.microsoft.com/office/drawing/2014/main" id="{5FA1B49B-F6B6-4D66-68D4-880227939A59}"/>
+              </a:ext>
+            </a:extLst>
+          </p:cNvPr>
+          <p:cNvSpPr>
+            <a:spLocks noGrp="1"/>
+          </p:cNvSpPr>
+          <p:nvPr>
+            <p:ph type="title"/>
+          </p:nvPr>
+        </p:nvSpPr>
+        <p:spPr/>
+        <p:txBody>
+          <a:bodyPr/>
+          <a:lstStyle/>
+          <a:p>
+            <a:endParaRPr lang="ko-KR" altLang="en-US"/>
+          </a:p>
+        </p:txBody>
+      </p:sp>
+      <p:sp>
+        <p:nvSpPr>
+          <p:cNvPr id="3" name="내용 개체 틀 2">
+            <a:extLst>
+              <a:ext uri="{FF2B5EF4-FFF2-40B4-BE49-F238E27FC236}">
+                <a16:creationId xmlns:a16="http://schemas.microsoft.com/office/drawing/2014/main" id="{45D8C042-4432-A2F1-DA62-794EA028596A}"/>
+              </a:ext>
+            </a:extLst>
+          </p:cNvPr>
+          <p:cNvSpPr>
+            <a:spLocks noGrp="1"/>
+          </p:cNvSpPr>
+          <p:nvPr>
+            <p:ph idx="1"/>
+          </p:nvPr>
+        </p:nvSpPr>
+        <p:spPr/>
+        <p:txBody>
+          <a:bodyPr/>
+          <a:lstStyle/>
+          <a:p>
+            <a:r>
+              <a:rPr lang="ko-KR" altLang="en-US" dirty="0"/>
+              <a:t>산출해야 하는 목표는 결구 </a:t>
+            </a:r>
+            <a:r>
+              <a:rPr lang="en-US" altLang="ko-KR" dirty="0" err="1"/>
+              <a:t>Fy</a:t>
+            </a:r>
+            <a:r>
+              <a:rPr lang="en-US" altLang="ko-KR" dirty="0"/>
+              <a:t> </a:t>
+            </a:r>
+            <a:r>
+              <a:rPr lang="ko-KR" altLang="en-US" dirty="0"/>
+              <a:t>가 아니라 </a:t>
+            </a:r>
+            <a:r>
+              <a:rPr lang="en-US" altLang="ko-KR" dirty="0"/>
+              <a:t>My</a:t>
+            </a:r>
+            <a:r>
+              <a:rPr lang="ko-KR" altLang="en-US" dirty="0"/>
+              <a:t>인데 이걸 어떻게 구할 수 있을까 </a:t>
+            </a:r>
+            <a:endParaRPr lang="en-US" altLang="ko-KR" dirty="0"/>
+          </a:p>
+          <a:p>
+            <a:r>
+              <a:rPr lang="en-US" altLang="ko-KR" dirty="0"/>
+              <a:t>Can</a:t>
+            </a:r>
+            <a:r>
+              <a:rPr lang="ko-KR" altLang="en-US" dirty="0"/>
+              <a:t> 데이터의 </a:t>
+            </a:r>
+            <a:r>
+              <a:rPr lang="en-US" altLang="ko-KR" dirty="0"/>
+              <a:t>Delay</a:t>
+            </a:r>
+            <a:r>
+              <a:rPr lang="ko-KR" altLang="en-US" dirty="0"/>
+              <a:t>는 어떻게 </a:t>
+            </a:r>
+            <a:r>
+              <a:rPr lang="ko-KR" altLang="en-US" dirty="0" err="1"/>
+              <a:t>예측하는게</a:t>
+            </a:r>
+            <a:r>
+              <a:rPr lang="ko-KR" altLang="en-US" dirty="0"/>
+              <a:t> 좋을까</a:t>
+            </a:r>
+            <a:endParaRPr lang="en-US" altLang="ko-KR" dirty="0"/>
+          </a:p>
+          <a:p>
+            <a:r>
+              <a:rPr lang="en-US" altLang="ko-KR" dirty="0" err="1"/>
+              <a:t>Fx</a:t>
+            </a:r>
+            <a:r>
+              <a:rPr lang="ko-KR" altLang="en-US" dirty="0"/>
+              <a:t>의 예측도 </a:t>
+            </a:r>
+            <a:r>
+              <a:rPr lang="ko-KR" altLang="en-US" dirty="0" err="1"/>
+              <a:t>해야하는데</a:t>
+            </a:r>
+            <a:r>
+              <a:rPr lang="ko-KR" altLang="en-US" dirty="0"/>
+              <a:t> 이건 어떻게</a:t>
+            </a:r>
+            <a:r>
+              <a:rPr lang="en-US" altLang="ko-KR" dirty="0"/>
+              <a:t>?</a:t>
+            </a:r>
+          </a:p>
+          <a:p>
+            <a:r>
+              <a:rPr lang="ko-KR" altLang="en-US" dirty="0"/>
+              <a:t>분배를 어떻게 </a:t>
+            </a:r>
+            <a:r>
+              <a:rPr lang="ko-KR" altLang="en-US" dirty="0" err="1"/>
+              <a:t>해야하는가</a:t>
+            </a:r>
+            <a:r>
+              <a:rPr lang="en-US" altLang="ko-KR" dirty="0"/>
+              <a:t>?</a:t>
+            </a:r>
+          </a:p>
+          <a:p>
+            <a:r>
+              <a:rPr lang="ko-KR" altLang="en-US" dirty="0"/>
+              <a:t>토크를 만들어주기 위해 </a:t>
+            </a:r>
+            <a:r>
+              <a:rPr lang="ko-KR" altLang="en-US" dirty="0" err="1"/>
+              <a:t>입력값을</a:t>
+            </a:r>
+            <a:r>
+              <a:rPr lang="ko-KR" altLang="en-US" dirty="0"/>
+              <a:t> 어떻게 만들어 줄 것인가</a:t>
+            </a:r>
+          </a:p>
+        </p:txBody>
+      </p:sp>
+      <p:sp>
+        <p:nvSpPr>
+          <p:cNvPr id="4" name="슬라이드 번호 개체 틀 3">
+            <a:extLst>
+              <a:ext uri="{FF2B5EF4-FFF2-40B4-BE49-F238E27FC236}">
+                <a16:creationId xmlns:a16="http://schemas.microsoft.com/office/drawing/2014/main" id="{6177A49B-AF21-5FBC-BBBC-190522006EC6}"/>
+              </a:ext>
+            </a:extLst>
+          </p:cNvPr>
+          <p:cNvSpPr>
+            <a:spLocks noGrp="1"/>
+          </p:cNvSpPr>
+          <p:nvPr>
+            <p:ph type="sldNum" sz="quarter" idx="12"/>
+          </p:nvPr>
+        </p:nvSpPr>
+        <p:spPr/>
+        <p:txBody>
+          <a:bodyPr/>
+          <a:lstStyle/>
+          <a:p>
+            <a:fld id="{DCF30976-4E8F-417C-866E-A81683010615}" type="slidenum">
+              <a:rPr lang="ko-KR" altLang="en-US" smtClean="0"/>
+              <a:pPr/>
+              <a:t>4</a:t>
+            </a:fld>
+            <a:endParaRPr lang="ko-KR" altLang="en-US"/>
+          </a:p>
+        </p:txBody>
+      </p:sp>
+    </p:spTree>
+    <p:extLst>
+      <p:ext uri="{BB962C8B-B14F-4D97-AF65-F5344CB8AC3E}">
+        <p14:creationId xmlns:p14="http://schemas.microsoft.com/office/powerpoint/2010/main" val="2228097734"/>
+      </p:ext>
+    </p:extLst>
+  </p:cSld>
+  <p:clrMapOvr>
+    <a:masterClrMapping/>
+  </p:clrMapOvr>
+</p:sld>
+</file>
+
+<file path=ppt/slides/slide5.xml><?xml version="1.0" encoding="utf-8"?>
+<p:sld xmlns:a="http://schemas.openxmlformats.org/drawingml/2006/main" xmlns:r="http://schemas.openxmlformats.org/officeDocument/2006/relationships" xmlns:p="http://schemas.openxmlformats.org/presentationml/2006/main">
+  <p:cSld>
+    <p:spTree>
+      <p:nvGrpSpPr>
+        <p:cNvPr id="1" name=""/>
+        <p:cNvGrpSpPr/>
+        <p:nvPr/>
+      </p:nvGrpSpPr>
+      <p:grpSpPr>
+        <a:xfrm>
+          <a:off x="0" y="0"/>
+          <a:ext cx="0" cy="0"/>
+          <a:chOff x="0" y="0"/>
+          <a:chExt cx="0" cy="0"/>
+        </a:xfrm>
+      </p:grpSpPr>
+      <p:sp>
+        <p:nvSpPr>
+          <p:cNvPr id="2" name="제목 1">
+            <a:extLst>
+              <a:ext uri="{FF2B5EF4-FFF2-40B4-BE49-F238E27FC236}">
+                <a16:creationId xmlns:a16="http://schemas.microsoft.com/office/drawing/2014/main" id="{A1C6D0CD-76BC-C6CA-D5FA-087FABF8DF9C}"/>
+              </a:ext>
+            </a:extLst>
+          </p:cNvPr>
+          <p:cNvSpPr>
+            <a:spLocks noGrp="1"/>
+          </p:cNvSpPr>
+          <p:nvPr>
+            <p:ph type="title"/>
+          </p:nvPr>
+        </p:nvSpPr>
+        <p:spPr/>
+        <p:txBody>
+          <a:bodyPr/>
+          <a:lstStyle/>
+          <a:p>
+            <a:endParaRPr lang="ko-KR" altLang="en-US"/>
+          </a:p>
+        </p:txBody>
+      </p:sp>
+      <p:sp>
+        <p:nvSpPr>
+          <p:cNvPr id="3" name="내용 개체 틀 2">
+            <a:extLst>
+              <a:ext uri="{FF2B5EF4-FFF2-40B4-BE49-F238E27FC236}">
+                <a16:creationId xmlns:a16="http://schemas.microsoft.com/office/drawing/2014/main" id="{5AC25232-786C-0256-8153-EC53F7FB40A4}"/>
+              </a:ext>
+            </a:extLst>
+          </p:cNvPr>
+          <p:cNvSpPr>
+            <a:spLocks noGrp="1"/>
+          </p:cNvSpPr>
+          <p:nvPr>
+            <p:ph idx="1"/>
+          </p:nvPr>
+        </p:nvSpPr>
+        <p:spPr/>
+        <p:txBody>
+          <a:bodyPr/>
+          <a:lstStyle/>
+          <a:p>
+            <a:r>
+              <a:rPr lang="en-US" altLang="ko-KR" dirty="0"/>
+              <a:t>Distributor</a:t>
+            </a:r>
+            <a:r>
+              <a:rPr lang="ko-KR" altLang="en-US" dirty="0"/>
+              <a:t> 제작</a:t>
+            </a:r>
+            <a:endParaRPr lang="en-US" altLang="ko-KR" dirty="0"/>
+          </a:p>
+          <a:p>
+            <a:r>
+              <a:rPr lang="en-US" altLang="ko-KR" dirty="0" err="1"/>
+              <a:t>Mz</a:t>
+            </a:r>
+            <a:r>
+              <a:rPr lang="en-US" altLang="ko-KR" dirty="0"/>
+              <a:t> </a:t>
+            </a:r>
+            <a:r>
+              <a:rPr lang="ko-KR" altLang="en-US" dirty="0"/>
+              <a:t>계산 및 </a:t>
+            </a:r>
+            <a:r>
+              <a:rPr lang="en-US" altLang="ko-KR" dirty="0"/>
+              <a:t>Saturation </a:t>
+            </a:r>
+            <a:r>
+              <a:rPr lang="ko-KR" altLang="en-US" dirty="0"/>
+              <a:t>제작</a:t>
+            </a:r>
+            <a:endParaRPr lang="en-US" altLang="ko-KR" dirty="0"/>
+          </a:p>
+        </p:txBody>
+      </p:sp>
+      <p:sp>
+        <p:nvSpPr>
+          <p:cNvPr id="4" name="슬라이드 번호 개체 틀 3">
+            <a:extLst>
+              <a:ext uri="{FF2B5EF4-FFF2-40B4-BE49-F238E27FC236}">
+                <a16:creationId xmlns:a16="http://schemas.microsoft.com/office/drawing/2014/main" id="{AF59F6A0-DBD8-C4F6-4B05-BEAE569037E9}"/>
+              </a:ext>
+            </a:extLst>
+          </p:cNvPr>
+          <p:cNvSpPr>
+            <a:spLocks noGrp="1"/>
+          </p:cNvSpPr>
+          <p:nvPr>
+            <p:ph type="sldNum" sz="quarter" idx="12"/>
+          </p:nvPr>
+        </p:nvSpPr>
+        <p:spPr/>
+        <p:txBody>
+          <a:bodyPr/>
+          <a:lstStyle/>
+          <a:p>
+            <a:fld id="{DCF30976-4E8F-417C-866E-A81683010615}" type="slidenum">
+              <a:rPr lang="ko-KR" altLang="en-US" smtClean="0"/>
+              <a:pPr/>
+              <a:t>5</a:t>
+            </a:fld>
+            <a:endParaRPr lang="ko-KR" altLang="en-US"/>
+          </a:p>
+        </p:txBody>
+      </p:sp>
+    </p:spTree>
+    <p:extLst>
+      <p:ext uri="{BB962C8B-B14F-4D97-AF65-F5344CB8AC3E}">
+        <p14:creationId xmlns:p14="http://schemas.microsoft.com/office/powerpoint/2010/main" val="1819349787"/>
       </p:ext>
     </p:extLst>
   </p:cSld>
